--- a/CtrlWCS-DT/documents/02.데이터 추출 쿼리_190219.pptx
+++ b/CtrlWCS-DT/documents/02.데이터 추출 쿼리_190219.pptx
@@ -255,7 +255,7 @@
           <a:p>
             <a:fld id="{5C3C0422-F114-4A30-8A9A-4F562430ED76}" type="datetimeFigureOut">
               <a:rPr lang="ko-KR" altLang="en-US" smtClean="0"/>
-              <a:t>2019. 2. 19.</a:t>
+              <a:t>2019. 2. 21.</a:t>
             </a:fld>
             <a:endParaRPr lang="ko-KR" altLang="en-US"/>
           </a:p>
@@ -421,7 +421,7 @@
           <a:p>
             <a:fld id="{9C3CB2A1-1A16-45C0-8935-C60499F2D8E1}" type="datetimeFigureOut">
               <a:rPr lang="ko-KR" altLang="en-US" smtClean="0"/>
-              <a:t>2019. 2. 19.</a:t>
+              <a:t>2019. 2. 21.</a:t>
             </a:fld>
             <a:endParaRPr lang="ko-KR" altLang="en-US"/>
           </a:p>
@@ -20164,7 +20164,7 @@
                 <a:ea typeface="+mn-ea"/>
                 <a:cs typeface="+mn-cs"/>
               </a:rPr>
-              <a:t>2019/2/19</a:t>
+              <a:t>2019/2/21</a:t>
             </a:fld>
             <a:r>
               <a:rPr lang="ko-KR" altLang="en-US" sz="800" kern="1200" dirty="0">
@@ -28294,7 +28294,7 @@
           <p:nvPr>
             <p:extLst>
               <p:ext uri="{D42A27DB-BD31-4B8C-83A1-F6EECF244321}">
-                <p14:modId xmlns:p14="http://schemas.microsoft.com/office/powerpoint/2010/main" val="3078736491"/>
+                <p14:modId xmlns:p14="http://schemas.microsoft.com/office/powerpoint/2010/main" val="1798169611"/>
               </p:ext>
             </p:extLst>
           </p:nvPr>
@@ -29451,7 +29451,7 @@
                           <a:latin typeface="Arial" pitchFamily="34" charset="0"/>
                           <a:ea typeface="맑은 고딕" pitchFamily="50" charset="-127"/>
                         </a:rPr>
-                        <a:t>              COUNT(DISTINCT A.BIZPTNR_CD) CUST_CNT,</a:t>
+                        <a:t>              COUNT(DISTINCT A.BIZPTNR_CD) CUST_CNT, </a:t>
                       </a:r>
                     </a:p>
                     <a:p>
@@ -29515,8 +29515,33 @@
                           <a:latin typeface="Arial" pitchFamily="34" charset="0"/>
                           <a:ea typeface="맑은 고딕" pitchFamily="50" charset="-127"/>
                         </a:rPr>
-                        <a:t>              SUM(A.BOX) BOX,</a:t>
-                      </a:r>
+                        <a:t>              SUM(A.BOX) BOX,   </a:t>
+                      </a:r>
+                      <a:r>
+                        <a:rPr kumimoji="1" lang="en-US" altLang="ko-KR" sz="600" b="1" i="0" u="none" strike="noStrike" cap="none" normalizeH="0" baseline="0">
+                          <a:ln>
+                            <a:noFill/>
+                          </a:ln>
+                          <a:solidFill>
+                            <a:schemeClr val="tx1"/>
+                          </a:solidFill>
+                          <a:effectLst/>
+                          <a:latin typeface="Arial" pitchFamily="34" charset="0"/>
+                          <a:ea typeface="맑은 고딕" pitchFamily="50" charset="-127"/>
+                        </a:rPr>
+                        <a:t>dd</a:t>
+                      </a:r>
+                      <a:endParaRPr kumimoji="1" lang="en-US" altLang="ko-KR" sz="600" b="1" i="0" u="none" strike="noStrike" cap="none" normalizeH="0" baseline="0" dirty="0">
+                        <a:ln>
+                          <a:noFill/>
+                        </a:ln>
+                        <a:solidFill>
+                          <a:schemeClr val="tx1"/>
+                        </a:solidFill>
+                        <a:effectLst/>
+                        <a:latin typeface="Arial" pitchFamily="34" charset="0"/>
+                        <a:ea typeface="맑은 고딕" pitchFamily="50" charset="-127"/>
+                      </a:endParaRPr>
                     </a:p>
                     <a:p>
                       <a:pPr marL="0" marR="0" lvl="0" indent="0" algn="l" defTabSz="914400" rtl="0" eaLnBrk="1" fontAlgn="base" latinLnBrk="1" hangingPunct="1">

--- a/CtrlWCS-DT/documents/02.데이터 추출 쿼리_190219.pptx
+++ b/CtrlWCS-DT/documents/02.데이터 추출 쿼리_190219.pptx
@@ -20676,6 +20676,38 @@
           </a:p>
         </p:txBody>
       </p:sp>
+      <p:sp>
+        <p:nvSpPr>
+          <p:cNvPr id="2" name="TextBox 1">
+            <a:extLst>
+              <a:ext uri="{FF2B5EF4-FFF2-40B4-BE49-F238E27FC236}">
+                <a16:creationId xmlns:a16="http://schemas.microsoft.com/office/drawing/2014/main" id="{839D11D3-38FC-C244-925D-4233E0376333}"/>
+              </a:ext>
+            </a:extLst>
+          </p:cNvPr>
+          <p:cNvSpPr txBox="1"/>
+          <p:nvPr/>
+        </p:nvSpPr>
+        <p:spPr>
+          <a:xfrm>
+            <a:off x="5012675" y="6114361"/>
+            <a:ext cx="184731" cy="369332"/>
+          </a:xfrm>
+          <a:prstGeom prst="rect">
+            <a:avLst/>
+          </a:prstGeom>
+          <a:noFill/>
+        </p:spPr>
+        <p:txBody>
+          <a:bodyPr wrap="none" rtlCol="0">
+            <a:spAutoFit/>
+          </a:bodyPr>
+          <a:lstStyle/>
+          <a:p>
+            <a:endParaRPr kumimoji="1" lang="ko-KR" altLang="en-US" dirty="0"/>
+          </a:p>
+        </p:txBody>
+      </p:sp>
     </p:spTree>
     <p:extLst>
       <p:ext uri="{BB962C8B-B14F-4D97-AF65-F5344CB8AC3E}">
@@ -28294,7 +28326,7 @@
           <p:nvPr>
             <p:extLst>
               <p:ext uri="{D42A27DB-BD31-4B8C-83A1-F6EECF244321}">
-                <p14:modId xmlns:p14="http://schemas.microsoft.com/office/powerpoint/2010/main" val="1798169611"/>
+                <p14:modId xmlns:p14="http://schemas.microsoft.com/office/powerpoint/2010/main" val="3928865265"/>
               </p:ext>
             </p:extLst>
           </p:nvPr>
@@ -29451,7 +29483,7 @@
                           <a:latin typeface="Arial" pitchFamily="34" charset="0"/>
                           <a:ea typeface="맑은 고딕" pitchFamily="50" charset="-127"/>
                         </a:rPr>
-                        <a:t>              COUNT(DISTINCT A.BIZPTNR_CD) CUST_CNT, </a:t>
+                        <a:t>              COUNT(DISTINCT A.BIZPTNR_CD) CUST_CNT,</a:t>
                       </a:r>
                     </a:p>
                     <a:p>
@@ -29515,33 +29547,8 @@
                           <a:latin typeface="Arial" pitchFamily="34" charset="0"/>
                           <a:ea typeface="맑은 고딕" pitchFamily="50" charset="-127"/>
                         </a:rPr>
-                        <a:t>              SUM(A.BOX) BOX,   </a:t>
-                      </a:r>
-                      <a:r>
-                        <a:rPr kumimoji="1" lang="en-US" altLang="ko-KR" sz="600" b="1" i="0" u="none" strike="noStrike" cap="none" normalizeH="0" baseline="0">
-                          <a:ln>
-                            <a:noFill/>
-                          </a:ln>
-                          <a:solidFill>
-                            <a:schemeClr val="tx1"/>
-                          </a:solidFill>
-                          <a:effectLst/>
-                          <a:latin typeface="Arial" pitchFamily="34" charset="0"/>
-                          <a:ea typeface="맑은 고딕" pitchFamily="50" charset="-127"/>
-                        </a:rPr>
-                        <a:t>dd</a:t>
-                      </a:r>
-                      <a:endParaRPr kumimoji="1" lang="en-US" altLang="ko-KR" sz="600" b="1" i="0" u="none" strike="noStrike" cap="none" normalizeH="0" baseline="0" dirty="0">
-                        <a:ln>
-                          <a:noFill/>
-                        </a:ln>
-                        <a:solidFill>
-                          <a:schemeClr val="tx1"/>
-                        </a:solidFill>
-                        <a:effectLst/>
-                        <a:latin typeface="Arial" pitchFamily="34" charset="0"/>
-                        <a:ea typeface="맑은 고딕" pitchFamily="50" charset="-127"/>
-                      </a:endParaRPr>
+                        <a:t>              SUM(A.BOX) BOX,</a:t>
+                      </a:r>
                     </a:p>
                     <a:p>
                       <a:pPr marL="0" marR="0" lvl="0" indent="0" algn="l" defTabSz="914400" rtl="0" eaLnBrk="1" fontAlgn="base" latinLnBrk="1" hangingPunct="1">
